--- a/1_INTRODUCTION_STATIC_10_15_19.pptx
+++ b/1_INTRODUCTION_STATIC_10_15_19.pptx
@@ -5313,7 +5313,7 @@
               <a:pPr>
                 <a:defRPr/>
               </a:pPr>
-              <a:t>10/9/2019</a:t>
+              <a:t>10/14/2019</a:t>
             </a:fld>
             <a:endParaRPr lang="en-US" dirty="0"/>
           </a:p>
@@ -5535,7 +5535,7 @@
               <a:pPr>
                 <a:defRPr/>
               </a:pPr>
-              <a:t>10/9/2019</a:t>
+              <a:t>10/14/2019</a:t>
             </a:fld>
             <a:endParaRPr lang="en-US" dirty="0"/>
           </a:p>
@@ -5767,7 +5767,7 @@
               <a:pPr>
                 <a:defRPr/>
               </a:pPr>
-              <a:t>10/9/2019</a:t>
+              <a:t>10/14/2019</a:t>
             </a:fld>
             <a:endParaRPr lang="en-US" dirty="0"/>
           </a:p>
@@ -5972,7 +5972,7 @@
               <a:pPr>
                 <a:defRPr/>
               </a:pPr>
-              <a:t>10/9/2019</a:t>
+              <a:t>10/14/2019</a:t>
             </a:fld>
             <a:endParaRPr lang="en-US" dirty="0"/>
           </a:p>
@@ -6173,7 +6173,7 @@
               <a:pPr>
                 <a:defRPr/>
               </a:pPr>
-              <a:t>10/9/2019</a:t>
+              <a:t>10/14/2019</a:t>
             </a:fld>
             <a:endParaRPr lang="en-US" dirty="0"/>
           </a:p>
@@ -6395,7 +6395,7 @@
               <a:pPr>
                 <a:defRPr/>
               </a:pPr>
-              <a:t>10/9/2019</a:t>
+              <a:t>10/14/2019</a:t>
             </a:fld>
             <a:endParaRPr lang="en-US" dirty="0"/>
           </a:p>
@@ -6640,7 +6640,7 @@
               <a:pPr>
                 <a:defRPr/>
               </a:pPr>
-              <a:t>10/9/2019</a:t>
+              <a:t>10/14/2019</a:t>
             </a:fld>
             <a:endParaRPr lang="en-US" dirty="0"/>
           </a:p>
@@ -6979,7 +6979,7 @@
               <a:pPr>
                 <a:defRPr/>
               </a:pPr>
-              <a:t>10/9/2019</a:t>
+              <a:t>10/14/2019</a:t>
             </a:fld>
             <a:endParaRPr lang="en-US" dirty="0"/>
           </a:p>
@@ -7457,7 +7457,7 @@
               <a:pPr>
                 <a:defRPr/>
               </a:pPr>
-              <a:t>10/9/2019</a:t>
+              <a:t>10/14/2019</a:t>
             </a:fld>
             <a:endParaRPr lang="en-US" dirty="0"/>
           </a:p>
@@ -7628,7 +7628,7 @@
               <a:pPr>
                 <a:defRPr/>
               </a:pPr>
-              <a:t>10/9/2019</a:t>
+              <a:t>10/14/2019</a:t>
             </a:fld>
             <a:endParaRPr lang="en-US" dirty="0"/>
           </a:p>
@@ -7777,7 +7777,7 @@
               <a:pPr>
                 <a:defRPr/>
               </a:pPr>
-              <a:t>10/9/2019</a:t>
+              <a:t>10/14/2019</a:t>
             </a:fld>
             <a:endParaRPr lang="en-US" dirty="0"/>
           </a:p>
@@ -8106,7 +8106,7 @@
               <a:pPr>
                 <a:defRPr/>
               </a:pPr>
-              <a:t>10/9/2019</a:t>
+              <a:t>10/14/2019</a:t>
             </a:fld>
             <a:endParaRPr lang="en-US" dirty="0"/>
           </a:p>
@@ -8413,7 +8413,7 @@
               <a:pPr>
                 <a:defRPr/>
               </a:pPr>
-              <a:t>10/9/2019</a:t>
+              <a:t>10/14/2019</a:t>
             </a:fld>
             <a:endParaRPr lang="en-US" dirty="0"/>
           </a:p>
@@ -8744,7 +8744,7 @@
               <a:pPr>
                 <a:defRPr/>
               </a:pPr>
-              <a:t>10/9/2019</a:t>
+              <a:t>10/14/2019</a:t>
             </a:fld>
             <a:endParaRPr lang="en-US" dirty="0"/>
           </a:p>
@@ -9685,7 +9685,7 @@
             </a:pPr>
             <a:r>
               <a:rPr lang="en-US" altLang="en-US" sz="2400" b="1" dirty="0"/>
-              <a:t>Fairbanks, Alaska</a:t>
+              <a:t>Anchorage, Alaska</a:t>
             </a:r>
           </a:p>
           <a:p>
@@ -9696,11 +9696,17 @@
               <a:buFont typeface="Wingdings" panose="05000000000000000000" pitchFamily="2" charset="2"/>
               <a:buNone/>
             </a:pPr>
+            <a:r>
+              <a:rPr lang="en-US" altLang="en-US" sz="2400" b="1">
+                <a:cs typeface="Times New Roman" panose="02020603050405020304" pitchFamily="18" charset="0"/>
+              </a:rPr>
+              <a:t>15-17 </a:t>
+            </a:r>
             <a:r>
               <a:rPr lang="en-US" altLang="en-US" sz="2400" b="1" dirty="0">
                 <a:cs typeface="Times New Roman" panose="02020603050405020304" pitchFamily="18" charset="0"/>
               </a:rPr>
-              <a:t>8-10 October 2019</a:t>
+              <a:t>October 2019</a:t>
             </a:r>
           </a:p>
         </p:txBody>
